--- a/Presentation/Solid.pptx
+++ b/Presentation/Solid.pptx
@@ -6,6 +6,15 @@
   </p:sldMasterIdLst>
   <p:sldIdLst>
     <p:sldId id="256" r:id="rId2"/>
+    <p:sldId id="257" r:id="rId3"/>
+    <p:sldId id="258" r:id="rId4"/>
+    <p:sldId id="259" r:id="rId5"/>
+    <p:sldId id="262" r:id="rId6"/>
+    <p:sldId id="260" r:id="rId7"/>
+    <p:sldId id="265" r:id="rId8"/>
+    <p:sldId id="261" r:id="rId9"/>
+    <p:sldId id="264" r:id="rId10"/>
+    <p:sldId id="263" r:id="rId11"/>
   </p:sldIdLst>
   <p:sldSz cx="12192000" cy="6858000"/>
   <p:notesSz cx="6858000" cy="9144000"/>
@@ -104,6 +113,11 @@
       </a:defRPr>
     </a:lvl9pPr>
   </p:defaultTextStyle>
+  <p:extLst>
+    <p:ext uri="{EFAFB233-063F-42B5-8137-9DF3F51BA10A}">
+      <p15:sldGuideLst xmlns:p15="http://schemas.microsoft.com/office/powerpoint/2012/main"/>
+    </p:ext>
+  </p:extLst>
 </p:presentation>
 </file>
 
@@ -754,7 +768,7 @@
             <a:fld id="{1E700B27-DE4C-4B9E-BB11-B9027034A00F}" type="datetimeFigureOut">
               <a:rPr lang="en-US" dirty="0"/>
               <a:pPr/>
-              <a:t>2/20/2019</a:t>
+              <a:t>3/2/2019</a:t>
             </a:fld>
             <a:endParaRPr lang="en-US" dirty="0"/>
           </a:p>
@@ -1874,7 +1888,7 @@
           <a:p>
             <a:fld id="{C40F4739-9812-4A9F-890D-2AD6BA5F6EE8}" type="datetimeFigureOut">
               <a:rPr lang="en-US" dirty="0"/>
-              <a:t>2/20/2019</a:t>
+              <a:t>3/2/2019</a:t>
             </a:fld>
             <a:endParaRPr lang="en-US" dirty="0"/>
           </a:p>
@@ -2885,7 +2899,7 @@
           <a:p>
             <a:fld id="{18845AC5-A3F8-44AA-BA8F-596CDCC976D3}" type="datetimeFigureOut">
               <a:rPr lang="en-US" dirty="0"/>
-              <a:t>2/20/2019</a:t>
+              <a:t>3/2/2019</a:t>
             </a:fld>
             <a:endParaRPr lang="en-US" dirty="0"/>
           </a:p>
@@ -4055,7 +4069,7 @@
           <a:p>
             <a:fld id="{C873B183-A821-4095-A363-9EC968635539}" type="datetimeFigureOut">
               <a:rPr lang="en-US" dirty="0"/>
-              <a:t>2/20/2019</a:t>
+              <a:t>3/2/2019</a:t>
             </a:fld>
             <a:endParaRPr lang="en-US" dirty="0"/>
           </a:p>
@@ -5116,7 +5130,7 @@
           <a:p>
             <a:fld id="{174D01B4-0AA5-45E6-B2E6-5FA4078AEBCF}" type="datetimeFigureOut">
               <a:rPr lang="en-US" dirty="0"/>
-              <a:t>2/20/2019</a:t>
+              <a:t>3/2/2019</a:t>
             </a:fld>
             <a:endParaRPr lang="en-US" dirty="0"/>
           </a:p>
@@ -5762,7 +5776,7 @@
           <a:p>
             <a:fld id="{4147335C-0450-40D7-8612-B3203BED4F28}" type="datetimeFigureOut">
               <a:rPr lang="en-US" dirty="0"/>
-              <a:t>2/20/2019</a:t>
+              <a:t>3/2/2019</a:t>
             </a:fld>
             <a:endParaRPr lang="en-US" dirty="0"/>
           </a:p>
@@ -6609,7 +6623,7 @@
           <a:p>
             <a:fld id="{D246A105-2A1C-4284-B4EA-07CF89B1A393}" type="datetimeFigureOut">
               <a:rPr lang="en-US" dirty="0"/>
-              <a:t>2/20/2019</a:t>
+              <a:t>3/2/2019</a:t>
             </a:fld>
             <a:endParaRPr lang="en-US" dirty="0"/>
           </a:p>
@@ -6784,7 +6798,7 @@
           <a:p>
             <a:fld id="{80DBE609-F3F2-45E6-BD6A-E03A8C86C1AE}" type="datetimeFigureOut">
               <a:rPr lang="en-US" dirty="0"/>
-              <a:t>2/20/2019</a:t>
+              <a:t>3/2/2019</a:t>
             </a:fld>
             <a:endParaRPr lang="en-US" dirty="0"/>
           </a:p>
@@ -7782,7 +7796,7 @@
           <a:p>
             <a:fld id="{7A24AD68-089C-4467-A8F3-EA2BBCA6B44E}" type="datetimeFigureOut">
               <a:rPr lang="en-US" dirty="0"/>
-              <a:t>2/20/2019</a:t>
+              <a:t>3/2/2019</a:t>
             </a:fld>
             <a:endParaRPr lang="en-US" dirty="0"/>
           </a:p>
@@ -7988,7 +8002,7 @@
           <a:p>
             <a:fld id="{75C51FCE-E4BB-4680-8E50-3C0E348D2609}" type="datetimeFigureOut">
               <a:rPr lang="en-US" dirty="0"/>
-              <a:t>2/20/2019</a:t>
+              <a:t>3/2/2019</a:t>
             </a:fld>
             <a:endParaRPr lang="en-US" dirty="0"/>
           </a:p>
@@ -9050,7 +9064,7 @@
           <a:p>
             <a:fld id="{8AAA073D-A903-47F8-8D16-77642FB0DF1F}" type="datetimeFigureOut">
               <a:rPr lang="en-US" dirty="0"/>
-              <a:t>2/20/2019</a:t>
+              <a:t>3/2/2019</a:t>
             </a:fld>
             <a:endParaRPr lang="en-US" dirty="0"/>
           </a:p>
@@ -9322,7 +9336,7 @@
           <a:p>
             <a:fld id="{AB91FA40-626B-4CA1-85D0-7A9016E395BA}" type="datetimeFigureOut">
               <a:rPr lang="en-US" dirty="0"/>
-              <a:t>2/20/2019</a:t>
+              <a:t>3/2/2019</a:t>
             </a:fld>
             <a:endParaRPr lang="en-US" dirty="0"/>
           </a:p>
@@ -9704,7 +9718,7 @@
           <a:p>
             <a:fld id="{C3F425EA-B9DC-48A7-991E-9A82573B1B21}" type="datetimeFigureOut">
               <a:rPr lang="en-US" dirty="0"/>
-              <a:t>2/20/2019</a:t>
+              <a:t>3/2/2019</a:t>
             </a:fld>
             <a:endParaRPr lang="en-US" dirty="0"/>
           </a:p>
@@ -9822,7 +9836,7 @@
           <a:p>
             <a:fld id="{66CB97F8-6CEB-469B-AFCC-889F2A2B1D5A}" type="datetimeFigureOut">
               <a:rPr lang="en-US" dirty="0"/>
-              <a:t>2/20/2019</a:t>
+              <a:t>3/2/2019</a:t>
             </a:fld>
             <a:endParaRPr lang="en-US" dirty="0"/>
           </a:p>
@@ -9917,7 +9931,7 @@
           <a:p>
             <a:fld id="{8FA9179F-009E-4FA5-B091-7EBB82A185BD}" type="datetimeFigureOut">
               <a:rPr lang="en-US" dirty="0"/>
-              <a:t>2/20/2019</a:t>
+              <a:t>3/2/2019</a:t>
             </a:fld>
             <a:endParaRPr lang="en-US" dirty="0"/>
           </a:p>
@@ -11026,7 +11040,7 @@
           <a:p>
             <a:fld id="{8E665CEB-0076-4E37-B880-BCEA9784DE0A}" type="datetimeFigureOut">
               <a:rPr lang="en-US" dirty="0"/>
-              <a:t>2/20/2019</a:t>
+              <a:t>3/2/2019</a:t>
             </a:fld>
             <a:endParaRPr lang="en-US" dirty="0"/>
           </a:p>
@@ -12159,7 +12173,7 @@
           <a:p>
             <a:fld id="{A6149E5E-3896-4118-99A7-7B85668F1C5E}" type="datetimeFigureOut">
               <a:rPr lang="en-US" dirty="0"/>
-              <a:t>2/20/2019</a:t>
+              <a:t>3/2/2019</a:t>
             </a:fld>
             <a:endParaRPr lang="en-US" dirty="0"/>
           </a:p>
@@ -13187,7 +13201,7 @@
           <a:p>
             <a:fld id="{7E0D914D-B099-4142-A885-11F276715148}" type="datetimeFigureOut">
               <a:rPr lang="en-US" dirty="0"/>
-              <a:t>2/20/2019</a:t>
+              <a:t>3/2/2019</a:t>
             </a:fld>
             <a:endParaRPr lang="en-US" dirty="0"/>
           </a:p>
@@ -13838,6 +13852,1035 @@
 </p:sld>
 </file>
 
+<file path=ppt/slides/slide10.xml><?xml version="1.0" encoding="utf-8"?>
+<p:sld xmlns:a="http://schemas.openxmlformats.org/drawingml/2006/main" xmlns:r="http://schemas.openxmlformats.org/officeDocument/2006/relationships" xmlns:p="http://schemas.openxmlformats.org/presentationml/2006/main">
+  <p:cSld>
+    <p:spTree>
+      <p:nvGrpSpPr>
+        <p:cNvPr id="1" name=""/>
+        <p:cNvGrpSpPr/>
+        <p:nvPr/>
+      </p:nvGrpSpPr>
+      <p:grpSpPr>
+        <a:xfrm>
+          <a:off x="0" y="0"/>
+          <a:ext cx="0" cy="0"/>
+          <a:chOff x="0" y="0"/>
+          <a:chExt cx="0" cy="0"/>
+        </a:xfrm>
+      </p:grpSpPr>
+      <p:sp>
+        <p:nvSpPr>
+          <p:cNvPr id="2" name="Title 1">
+            <a:extLst>
+              <a:ext uri="{FF2B5EF4-FFF2-40B4-BE49-F238E27FC236}">
+                <a16:creationId xmlns:a16="http://schemas.microsoft.com/office/drawing/2014/main" id="{268A6315-F8F6-4D5B-A6A3-B1C47192ECED}"/>
+              </a:ext>
+            </a:extLst>
+          </p:cNvPr>
+          <p:cNvSpPr>
+            <a:spLocks noGrp="1"/>
+          </p:cNvSpPr>
+          <p:nvPr>
+            <p:ph type="title"/>
+          </p:nvPr>
+        </p:nvSpPr>
+        <p:spPr/>
+        <p:txBody>
+          <a:bodyPr/>
+          <a:lstStyle/>
+          <a:p>
+            <a:pPr algn="ctr"/>
+            <a:r>
+              <a:rPr lang="en-US" dirty="0"/>
+              <a:t>What’s next Solid?</a:t>
+            </a:r>
+          </a:p>
+        </p:txBody>
+      </p:sp>
+      <p:sp>
+        <p:nvSpPr>
+          <p:cNvPr id="3" name="Content Placeholder 2">
+            <a:extLst>
+              <a:ext uri="{FF2B5EF4-FFF2-40B4-BE49-F238E27FC236}">
+                <a16:creationId xmlns:a16="http://schemas.microsoft.com/office/drawing/2014/main" id="{69218030-0BE9-44C0-A86F-7E0DB7637540}"/>
+              </a:ext>
+            </a:extLst>
+          </p:cNvPr>
+          <p:cNvSpPr>
+            <a:spLocks noGrp="1"/>
+          </p:cNvSpPr>
+          <p:nvPr>
+            <p:ph idx="1"/>
+          </p:nvPr>
+        </p:nvSpPr>
+        <p:spPr/>
+        <p:txBody>
+          <a:bodyPr/>
+          <a:lstStyle/>
+          <a:p>
+            <a:endParaRPr lang="en-US" dirty="0"/>
+          </a:p>
+        </p:txBody>
+      </p:sp>
+    </p:spTree>
+    <p:extLst>
+      <p:ext uri="{BB962C8B-B14F-4D97-AF65-F5344CB8AC3E}">
+        <p14:creationId xmlns:p14="http://schemas.microsoft.com/office/powerpoint/2010/main" val="606008870"/>
+      </p:ext>
+    </p:extLst>
+  </p:cSld>
+  <p:clrMapOvr>
+    <a:masterClrMapping/>
+  </p:clrMapOvr>
+</p:sld>
+</file>
+
+<file path=ppt/slides/slide2.xml><?xml version="1.0" encoding="utf-8"?>
+<p:sld xmlns:a="http://schemas.openxmlformats.org/drawingml/2006/main" xmlns:r="http://schemas.openxmlformats.org/officeDocument/2006/relationships" xmlns:p="http://schemas.openxmlformats.org/presentationml/2006/main">
+  <p:cSld>
+    <p:spTree>
+      <p:nvGrpSpPr>
+        <p:cNvPr id="1" name=""/>
+        <p:cNvGrpSpPr/>
+        <p:nvPr/>
+      </p:nvGrpSpPr>
+      <p:grpSpPr>
+        <a:xfrm>
+          <a:off x="0" y="0"/>
+          <a:ext cx="0" cy="0"/>
+          <a:chOff x="0" y="0"/>
+          <a:chExt cx="0" cy="0"/>
+        </a:xfrm>
+      </p:grpSpPr>
+      <p:sp>
+        <p:nvSpPr>
+          <p:cNvPr id="2" name="Title 1">
+            <a:extLst>
+              <a:ext uri="{FF2B5EF4-FFF2-40B4-BE49-F238E27FC236}">
+                <a16:creationId xmlns:a16="http://schemas.microsoft.com/office/drawing/2014/main" id="{94075AD1-3DEF-494D-BA2E-2FAE6F177F7B}"/>
+              </a:ext>
+            </a:extLst>
+          </p:cNvPr>
+          <p:cNvSpPr>
+            <a:spLocks noGrp="1"/>
+          </p:cNvSpPr>
+          <p:nvPr>
+            <p:ph type="title"/>
+          </p:nvPr>
+        </p:nvSpPr>
+        <p:spPr/>
+        <p:txBody>
+          <a:bodyPr/>
+          <a:lstStyle/>
+          <a:p>
+            <a:pPr algn="ctr"/>
+            <a:r>
+              <a:rPr lang="en-US" dirty="0"/>
+              <a:t>What is Solid?</a:t>
+            </a:r>
+          </a:p>
+        </p:txBody>
+      </p:sp>
+      <p:sp>
+        <p:nvSpPr>
+          <p:cNvPr id="3" name="Content Placeholder 2">
+            <a:extLst>
+              <a:ext uri="{FF2B5EF4-FFF2-40B4-BE49-F238E27FC236}">
+                <a16:creationId xmlns:a16="http://schemas.microsoft.com/office/drawing/2014/main" id="{A77C73C0-8384-4586-8C45-94DE7474E341}"/>
+              </a:ext>
+            </a:extLst>
+          </p:cNvPr>
+          <p:cNvSpPr>
+            <a:spLocks noGrp="1"/>
+          </p:cNvSpPr>
+          <p:nvPr>
+            <p:ph idx="1"/>
+          </p:nvPr>
+        </p:nvSpPr>
+        <p:spPr/>
+        <p:txBody>
+          <a:bodyPr/>
+          <a:lstStyle/>
+          <a:p>
+            <a:r>
+              <a:rPr lang="en-US" dirty="0"/>
+              <a:t>Solid is an exciting new project led by Prof. Tim Berners-Lee (inventor of the World Wide Web, taking place at MIT)</a:t>
+            </a:r>
+          </a:p>
+          <a:p>
+            <a:r>
+              <a:rPr lang="en-US" dirty="0"/>
+              <a:t>The project aims to radically change the way Web applications work today, resulting in true data ownership as well as improved privacy.</a:t>
+            </a:r>
+          </a:p>
+          <a:p>
+            <a:r>
+              <a:rPr lang="en-US" dirty="0"/>
+              <a:t>It is a proposed set of conventions and tools for building decentralized social applications based on Linked Data principles. Solid is modular and extensible and it relies as much as possible on existing </a:t>
+            </a:r>
+            <a:r>
+              <a:rPr lang="en-US" dirty="0">
+                <a:hlinkClick r:id="rId2"/>
+              </a:rPr>
+              <a:t>W3C</a:t>
+            </a:r>
+            <a:r>
+              <a:rPr lang="en-US" dirty="0"/>
+              <a:t> standards and protocols.</a:t>
+            </a:r>
+          </a:p>
+          <a:p>
+            <a:r>
+              <a:rPr lang="en-US" dirty="0"/>
+              <a:t>Enable the discovery and sharing of information in a way that preserves privacy </a:t>
+            </a:r>
+          </a:p>
+        </p:txBody>
+      </p:sp>
+    </p:spTree>
+    <p:extLst>
+      <p:ext uri="{BB962C8B-B14F-4D97-AF65-F5344CB8AC3E}">
+        <p14:creationId xmlns:p14="http://schemas.microsoft.com/office/powerpoint/2010/main" val="4022782335"/>
+      </p:ext>
+    </p:extLst>
+  </p:cSld>
+  <p:clrMapOvr>
+    <a:masterClrMapping/>
+  </p:clrMapOvr>
+</p:sld>
+</file>
+
+<file path=ppt/slides/slide3.xml><?xml version="1.0" encoding="utf-8"?>
+<p:sld xmlns:a="http://schemas.openxmlformats.org/drawingml/2006/main" xmlns:r="http://schemas.openxmlformats.org/officeDocument/2006/relationships" xmlns:p="http://schemas.openxmlformats.org/presentationml/2006/main">
+  <p:cSld>
+    <p:spTree>
+      <p:nvGrpSpPr>
+        <p:cNvPr id="1" name=""/>
+        <p:cNvGrpSpPr/>
+        <p:nvPr/>
+      </p:nvGrpSpPr>
+      <p:grpSpPr>
+        <a:xfrm>
+          <a:off x="0" y="0"/>
+          <a:ext cx="0" cy="0"/>
+          <a:chOff x="0" y="0"/>
+          <a:chExt cx="0" cy="0"/>
+        </a:xfrm>
+      </p:grpSpPr>
+      <p:sp>
+        <p:nvSpPr>
+          <p:cNvPr id="2" name="Title 1">
+            <a:extLst>
+              <a:ext uri="{FF2B5EF4-FFF2-40B4-BE49-F238E27FC236}">
+                <a16:creationId xmlns:a16="http://schemas.microsoft.com/office/drawing/2014/main" id="{E1AA0CF3-05A1-4BF0-A869-005C8627584A}"/>
+              </a:ext>
+            </a:extLst>
+          </p:cNvPr>
+          <p:cNvSpPr>
+            <a:spLocks noGrp="1"/>
+          </p:cNvSpPr>
+          <p:nvPr>
+            <p:ph type="title"/>
+          </p:nvPr>
+        </p:nvSpPr>
+        <p:spPr/>
+        <p:txBody>
+          <a:bodyPr/>
+          <a:lstStyle/>
+          <a:p>
+            <a:pPr algn="ctr"/>
+            <a:r>
+              <a:rPr lang="en-US" dirty="0"/>
+              <a:t>What does Solid offer?</a:t>
+            </a:r>
+          </a:p>
+        </p:txBody>
+      </p:sp>
+      <p:sp>
+        <p:nvSpPr>
+          <p:cNvPr id="3" name="Content Placeholder 2">
+            <a:extLst>
+              <a:ext uri="{FF2B5EF4-FFF2-40B4-BE49-F238E27FC236}">
+                <a16:creationId xmlns:a16="http://schemas.microsoft.com/office/drawing/2014/main" id="{2F3E9DA4-1B2C-4BB6-AEE5-FBDD8B4A33E5}"/>
+              </a:ext>
+            </a:extLst>
+          </p:cNvPr>
+          <p:cNvSpPr>
+            <a:spLocks noGrp="1"/>
+          </p:cNvSpPr>
+          <p:nvPr>
+            <p:ph idx="1"/>
+          </p:nvPr>
+        </p:nvSpPr>
+        <p:spPr>
+          <a:xfrm>
+            <a:off x="1154954" y="2484230"/>
+            <a:ext cx="8761412" cy="3996083"/>
+          </a:xfrm>
+        </p:spPr>
+        <p:txBody>
+          <a:bodyPr>
+            <a:normAutofit lnSpcReduction="10000"/>
+          </a:bodyPr>
+          <a:lstStyle/>
+          <a:p>
+            <a:r>
+              <a:rPr lang="en-US" dirty="0"/>
+              <a:t>True Data Ownership</a:t>
+            </a:r>
+          </a:p>
+          <a:p>
+            <a:pPr lvl="1"/>
+            <a:r>
+              <a:rPr lang="en-US" dirty="0"/>
+              <a:t>Users should have the freedom to choose where their data resides and who is allowed to access it</a:t>
+            </a:r>
+          </a:p>
+          <a:p>
+            <a:pPr marL="457200" lvl="1" indent="0">
+              <a:buNone/>
+            </a:pPr>
+            <a:endParaRPr lang="en-US" dirty="0"/>
+          </a:p>
+          <a:p>
+            <a:r>
+              <a:rPr lang="en-US" dirty="0"/>
+              <a:t>Modular Design</a:t>
+            </a:r>
+          </a:p>
+          <a:p>
+            <a:pPr lvl="1"/>
+            <a:r>
+              <a:rPr lang="en-US" dirty="0"/>
+              <a:t>Since applications are decoupled from the data they produce, users can switch between apps and personal data storage servers without losing any data or social connection. </a:t>
+            </a:r>
+          </a:p>
+          <a:p>
+            <a:pPr marL="457200" lvl="1" indent="0">
+              <a:buNone/>
+            </a:pPr>
+            <a:endParaRPr lang="en-US" dirty="0"/>
+          </a:p>
+          <a:p>
+            <a:r>
+              <a:rPr lang="en-US" dirty="0"/>
+              <a:t>Reusing Existing Data </a:t>
+            </a:r>
+          </a:p>
+          <a:p>
+            <a:pPr lvl="1"/>
+            <a:r>
+              <a:rPr lang="en-US" dirty="0"/>
+              <a:t>Developers are able to create new apps or improve current ones all while reusing data that was created by other apps </a:t>
+            </a:r>
+          </a:p>
+        </p:txBody>
+      </p:sp>
+    </p:spTree>
+    <p:extLst>
+      <p:ext uri="{BB962C8B-B14F-4D97-AF65-F5344CB8AC3E}">
+        <p14:creationId xmlns:p14="http://schemas.microsoft.com/office/powerpoint/2010/main" val="1391037805"/>
+      </p:ext>
+    </p:extLst>
+  </p:cSld>
+  <p:clrMapOvr>
+    <a:masterClrMapping/>
+  </p:clrMapOvr>
+</p:sld>
+</file>
+
+<file path=ppt/slides/slide4.xml><?xml version="1.0" encoding="utf-8"?>
+<p:sld xmlns:a="http://schemas.openxmlformats.org/drawingml/2006/main" xmlns:r="http://schemas.openxmlformats.org/officeDocument/2006/relationships" xmlns:p="http://schemas.openxmlformats.org/presentationml/2006/main">
+  <p:cSld>
+    <p:spTree>
+      <p:nvGrpSpPr>
+        <p:cNvPr id="1" name=""/>
+        <p:cNvGrpSpPr/>
+        <p:nvPr/>
+      </p:nvGrpSpPr>
+      <p:grpSpPr>
+        <a:xfrm>
+          <a:off x="0" y="0"/>
+          <a:ext cx="0" cy="0"/>
+          <a:chOff x="0" y="0"/>
+          <a:chExt cx="0" cy="0"/>
+        </a:xfrm>
+      </p:grpSpPr>
+      <p:sp>
+        <p:nvSpPr>
+          <p:cNvPr id="2" name="Title 1">
+            <a:extLst>
+              <a:ext uri="{FF2B5EF4-FFF2-40B4-BE49-F238E27FC236}">
+                <a16:creationId xmlns:a16="http://schemas.microsoft.com/office/drawing/2014/main" id="{37DF619C-ED04-4FB8-9818-A69A5693CBDB}"/>
+              </a:ext>
+            </a:extLst>
+          </p:cNvPr>
+          <p:cNvSpPr>
+            <a:spLocks noGrp="1"/>
+          </p:cNvSpPr>
+          <p:nvPr>
+            <p:ph type="title"/>
+          </p:nvPr>
+        </p:nvSpPr>
+        <p:spPr/>
+        <p:txBody>
+          <a:bodyPr/>
+          <a:lstStyle/>
+          <a:p>
+            <a:pPr algn="ctr"/>
+            <a:r>
+              <a:rPr lang="en-US" dirty="0"/>
+              <a:t>How does Solid work?</a:t>
+            </a:r>
+          </a:p>
+        </p:txBody>
+      </p:sp>
+      <p:sp>
+        <p:nvSpPr>
+          <p:cNvPr id="3" name="Content Placeholder 2">
+            <a:extLst>
+              <a:ext uri="{FF2B5EF4-FFF2-40B4-BE49-F238E27FC236}">
+                <a16:creationId xmlns:a16="http://schemas.microsoft.com/office/drawing/2014/main" id="{F1A9A81F-DD88-44A0-94F5-41731B90880C}"/>
+              </a:ext>
+            </a:extLst>
+          </p:cNvPr>
+          <p:cNvSpPr>
+            <a:spLocks noGrp="1"/>
+          </p:cNvSpPr>
+          <p:nvPr>
+            <p:ph idx="1"/>
+          </p:nvPr>
+        </p:nvSpPr>
+        <p:spPr/>
+        <p:txBody>
+          <a:bodyPr/>
+          <a:lstStyle/>
+          <a:p>
+            <a:r>
+              <a:rPr lang="en-US" dirty="0"/>
+              <a:t>A user stores personal data in "pods" (personal online data stores) hosted wherever the user desires</a:t>
+            </a:r>
+          </a:p>
+          <a:p>
+            <a:r>
+              <a:rPr lang="en-US" dirty="0"/>
+              <a:t>Applications that are authenticated by Solid are allowed to request data if the user has given the application permission.</a:t>
+            </a:r>
+          </a:p>
+          <a:p>
+            <a:r>
+              <a:rPr lang="en-US" dirty="0"/>
+              <a:t>A user may distribute personal information among several pods; for example, different pods might contain personal profile data, contact information, financial information, health, travel plans, or other information</a:t>
+            </a:r>
+          </a:p>
+          <a:p>
+            <a:endParaRPr lang="en-US" dirty="0"/>
+          </a:p>
+          <a:p>
+            <a:pPr marL="3657600" lvl="8" indent="0">
+              <a:buNone/>
+            </a:pPr>
+            <a:r>
+              <a:rPr lang="en-US" dirty="0"/>
+              <a:t>							</a:t>
+            </a:r>
+          </a:p>
+        </p:txBody>
+      </p:sp>
+    </p:spTree>
+    <p:extLst>
+      <p:ext uri="{BB962C8B-B14F-4D97-AF65-F5344CB8AC3E}">
+        <p14:creationId xmlns:p14="http://schemas.microsoft.com/office/powerpoint/2010/main" val="3004521506"/>
+      </p:ext>
+    </p:extLst>
+  </p:cSld>
+  <p:clrMapOvr>
+    <a:masterClrMapping/>
+  </p:clrMapOvr>
+</p:sld>
+</file>
+
+<file path=ppt/slides/slide5.xml><?xml version="1.0" encoding="utf-8"?>
+<p:sld xmlns:a="http://schemas.openxmlformats.org/drawingml/2006/main" xmlns:r="http://schemas.openxmlformats.org/officeDocument/2006/relationships" xmlns:p="http://schemas.openxmlformats.org/presentationml/2006/main">
+  <p:cSld>
+    <p:spTree>
+      <p:nvGrpSpPr>
+        <p:cNvPr id="1" name=""/>
+        <p:cNvGrpSpPr/>
+        <p:nvPr/>
+      </p:nvGrpSpPr>
+      <p:grpSpPr>
+        <a:xfrm>
+          <a:off x="0" y="0"/>
+          <a:ext cx="0" cy="0"/>
+          <a:chOff x="0" y="0"/>
+          <a:chExt cx="0" cy="0"/>
+        </a:xfrm>
+      </p:grpSpPr>
+      <p:sp>
+        <p:nvSpPr>
+          <p:cNvPr id="2" name="Title 1">
+            <a:extLst>
+              <a:ext uri="{FF2B5EF4-FFF2-40B4-BE49-F238E27FC236}">
+                <a16:creationId xmlns:a16="http://schemas.microsoft.com/office/drawing/2014/main" id="{94B92199-F8A4-4599-BA68-24E7E0CD05D9}"/>
+              </a:ext>
+            </a:extLst>
+          </p:cNvPr>
+          <p:cNvSpPr>
+            <a:spLocks noGrp="1"/>
+          </p:cNvSpPr>
+          <p:nvPr>
+            <p:ph type="title"/>
+          </p:nvPr>
+        </p:nvSpPr>
+        <p:spPr/>
+        <p:txBody>
+          <a:bodyPr/>
+          <a:lstStyle/>
+          <a:p>
+            <a:pPr algn="ctr"/>
+            <a:r>
+              <a:rPr lang="en-US" dirty="0"/>
+              <a:t>How does Solid work?(cont.)</a:t>
+            </a:r>
+          </a:p>
+        </p:txBody>
+      </p:sp>
+      <p:sp>
+        <p:nvSpPr>
+          <p:cNvPr id="3" name="Content Placeholder 2">
+            <a:extLst>
+              <a:ext uri="{FF2B5EF4-FFF2-40B4-BE49-F238E27FC236}">
+                <a16:creationId xmlns:a16="http://schemas.microsoft.com/office/drawing/2014/main" id="{4F0F4AF8-3A20-4361-9DFB-F23D5E0A156E}"/>
+              </a:ext>
+            </a:extLst>
+          </p:cNvPr>
+          <p:cNvSpPr>
+            <a:spLocks noGrp="1"/>
+          </p:cNvSpPr>
+          <p:nvPr>
+            <p:ph idx="1"/>
+          </p:nvPr>
+        </p:nvSpPr>
+        <p:spPr/>
+        <p:txBody>
+          <a:bodyPr/>
+          <a:lstStyle/>
+          <a:p>
+            <a:r>
+              <a:rPr lang="en-US" dirty="0"/>
+              <a:t>The user could then join an authenticated social-networking application by giving it permission to access appropriate information in a specific pod.</a:t>
+            </a:r>
+          </a:p>
+          <a:p>
+            <a:r>
+              <a:rPr lang="en-US" dirty="0"/>
+              <a:t>The user retains complete ownership and control of data in the user's pods: what data each pod contains, where each pod is stored, and which applications have permission to use the data.</a:t>
+            </a:r>
+          </a:p>
+        </p:txBody>
+      </p:sp>
+    </p:spTree>
+    <p:extLst>
+      <p:ext uri="{BB962C8B-B14F-4D97-AF65-F5344CB8AC3E}">
+        <p14:creationId xmlns:p14="http://schemas.microsoft.com/office/powerpoint/2010/main" val="1962070067"/>
+      </p:ext>
+    </p:extLst>
+  </p:cSld>
+  <p:clrMapOvr>
+    <a:masterClrMapping/>
+  </p:clrMapOvr>
+</p:sld>
+</file>
+
+<file path=ppt/slides/slide6.xml><?xml version="1.0" encoding="utf-8"?>
+<p:sld xmlns:a="http://schemas.openxmlformats.org/drawingml/2006/main" xmlns:r="http://schemas.openxmlformats.org/officeDocument/2006/relationships" xmlns:p="http://schemas.openxmlformats.org/presentationml/2006/main">
+  <p:cSld>
+    <p:spTree>
+      <p:nvGrpSpPr>
+        <p:cNvPr id="1" name=""/>
+        <p:cNvGrpSpPr/>
+        <p:nvPr/>
+      </p:nvGrpSpPr>
+      <p:grpSpPr>
+        <a:xfrm>
+          <a:off x="0" y="0"/>
+          <a:ext cx="0" cy="0"/>
+          <a:chOff x="0" y="0"/>
+          <a:chExt cx="0" cy="0"/>
+        </a:xfrm>
+      </p:grpSpPr>
+      <p:sp>
+        <p:nvSpPr>
+          <p:cNvPr id="2" name="Title 1">
+            <a:extLst>
+              <a:ext uri="{FF2B5EF4-FFF2-40B4-BE49-F238E27FC236}">
+                <a16:creationId xmlns:a16="http://schemas.microsoft.com/office/drawing/2014/main" id="{B6C98558-74E2-44B1-8DBB-D85485AC6138}"/>
+              </a:ext>
+            </a:extLst>
+          </p:cNvPr>
+          <p:cNvSpPr>
+            <a:spLocks noGrp="1"/>
+          </p:cNvSpPr>
+          <p:nvPr>
+            <p:ph type="title"/>
+          </p:nvPr>
+        </p:nvSpPr>
+        <p:spPr/>
+        <p:txBody>
+          <a:bodyPr/>
+          <a:lstStyle/>
+          <a:p>
+            <a:pPr algn="ctr"/>
+            <a:r>
+              <a:rPr lang="en-US" dirty="0"/>
+              <a:t>Benefits of Solid</a:t>
+            </a:r>
+          </a:p>
+        </p:txBody>
+      </p:sp>
+      <p:sp>
+        <p:nvSpPr>
+          <p:cNvPr id="3" name="Content Placeholder 2">
+            <a:extLst>
+              <a:ext uri="{FF2B5EF4-FFF2-40B4-BE49-F238E27FC236}">
+                <a16:creationId xmlns:a16="http://schemas.microsoft.com/office/drawing/2014/main" id="{5E4BA173-23C3-4420-8614-B65093BC5260}"/>
+              </a:ext>
+            </a:extLst>
+          </p:cNvPr>
+          <p:cNvSpPr>
+            <a:spLocks noGrp="1"/>
+          </p:cNvSpPr>
+          <p:nvPr>
+            <p:ph idx="1"/>
+          </p:nvPr>
+        </p:nvSpPr>
+        <p:spPr/>
+        <p:txBody>
+          <a:bodyPr/>
+          <a:lstStyle/>
+          <a:p>
+            <a:r>
+              <a:rPr lang="en-US" dirty="0"/>
+              <a:t>Individuals reclaim ownership of their data from mega corporations that not only abuse their data</a:t>
+            </a:r>
+          </a:p>
+          <a:p>
+            <a:endParaRPr lang="en-US" dirty="0"/>
+          </a:p>
+          <a:p>
+            <a:r>
+              <a:rPr lang="en-US" dirty="0"/>
+              <a:t>This approach protects your privacy and is also </a:t>
+            </a:r>
+            <a:r>
+              <a:rPr lang="en-US" b="1" dirty="0"/>
+              <a:t>great for developers</a:t>
+            </a:r>
+            <a:r>
+              <a:rPr lang="en-US" dirty="0"/>
+              <a:t>: they can build cool apps without harvesting massive amounts of data first</a:t>
+            </a:r>
+          </a:p>
+          <a:p>
+            <a:pPr marL="0" indent="0">
+              <a:buNone/>
+            </a:pPr>
+            <a:endParaRPr lang="en-US" dirty="0"/>
+          </a:p>
+          <a:p>
+            <a:r>
+              <a:rPr lang="en-US" dirty="0"/>
+              <a:t>You can decide which app gets your data and which do not.</a:t>
+            </a:r>
+          </a:p>
+          <a:p>
+            <a:pPr lvl="1"/>
+            <a:r>
+              <a:rPr lang="en-US" dirty="0"/>
+              <a:t>Just allow or disallow access to the Solid POD, and the app will do the rest on its own</a:t>
+            </a:r>
+          </a:p>
+          <a:p>
+            <a:endParaRPr lang="en-US" dirty="0"/>
+          </a:p>
+        </p:txBody>
+      </p:sp>
+    </p:spTree>
+    <p:extLst>
+      <p:ext uri="{BB962C8B-B14F-4D97-AF65-F5344CB8AC3E}">
+        <p14:creationId xmlns:p14="http://schemas.microsoft.com/office/powerpoint/2010/main" val="3483141890"/>
+      </p:ext>
+    </p:extLst>
+  </p:cSld>
+  <p:clrMapOvr>
+    <a:masterClrMapping/>
+  </p:clrMapOvr>
+</p:sld>
+</file>
+
+<file path=ppt/slides/slide7.xml><?xml version="1.0" encoding="utf-8"?>
+<p:sld xmlns:a="http://schemas.openxmlformats.org/drawingml/2006/main" xmlns:r="http://schemas.openxmlformats.org/officeDocument/2006/relationships" xmlns:p="http://schemas.openxmlformats.org/presentationml/2006/main">
+  <p:cSld>
+    <p:spTree>
+      <p:nvGrpSpPr>
+        <p:cNvPr id="1" name=""/>
+        <p:cNvGrpSpPr/>
+        <p:nvPr/>
+      </p:nvGrpSpPr>
+      <p:grpSpPr>
+        <a:xfrm>
+          <a:off x="0" y="0"/>
+          <a:ext cx="0" cy="0"/>
+          <a:chOff x="0" y="0"/>
+          <a:chExt cx="0" cy="0"/>
+        </a:xfrm>
+      </p:grpSpPr>
+      <p:sp>
+        <p:nvSpPr>
+          <p:cNvPr id="2" name="Title 1">
+            <a:extLst>
+              <a:ext uri="{FF2B5EF4-FFF2-40B4-BE49-F238E27FC236}">
+                <a16:creationId xmlns:a16="http://schemas.microsoft.com/office/drawing/2014/main" id="{6D71FE91-794B-430F-BBB1-8C25BD30F753}"/>
+              </a:ext>
+            </a:extLst>
+          </p:cNvPr>
+          <p:cNvSpPr>
+            <a:spLocks noGrp="1"/>
+          </p:cNvSpPr>
+          <p:nvPr>
+            <p:ph type="title"/>
+          </p:nvPr>
+        </p:nvSpPr>
+        <p:spPr/>
+        <p:txBody>
+          <a:bodyPr/>
+          <a:lstStyle/>
+          <a:p>
+            <a:pPr algn="ctr"/>
+            <a:r>
+              <a:rPr lang="en-US" dirty="0"/>
+              <a:t>Benefits of Solid (cont.)</a:t>
+            </a:r>
+          </a:p>
+        </p:txBody>
+      </p:sp>
+      <p:sp>
+        <p:nvSpPr>
+          <p:cNvPr id="3" name="Content Placeholder 2">
+            <a:extLst>
+              <a:ext uri="{FF2B5EF4-FFF2-40B4-BE49-F238E27FC236}">
+                <a16:creationId xmlns:a16="http://schemas.microsoft.com/office/drawing/2014/main" id="{8F8D077E-8F11-442B-B5B0-A09B59B9D0FA}"/>
+              </a:ext>
+            </a:extLst>
+          </p:cNvPr>
+          <p:cNvSpPr>
+            <a:spLocks noGrp="1"/>
+          </p:cNvSpPr>
+          <p:nvPr>
+            <p:ph idx="1"/>
+          </p:nvPr>
+        </p:nvSpPr>
+        <p:spPr/>
+        <p:txBody>
+          <a:bodyPr/>
+          <a:lstStyle/>
+          <a:p>
+            <a:pPr marL="0" indent="0">
+              <a:buNone/>
+            </a:pPr>
+            <a:endParaRPr lang="en-US" cap="all" dirty="0"/>
+          </a:p>
+          <a:p>
+            <a:r>
+              <a:rPr lang="en-US" dirty="0"/>
+              <a:t>Your POD is your personal storage space</a:t>
+            </a:r>
+          </a:p>
+          <a:p>
+            <a:pPr lvl="1"/>
+            <a:r>
+              <a:rPr lang="en-US" dirty="0"/>
+              <a:t>Store anything you want in your own Solid POD</a:t>
+            </a:r>
+          </a:p>
+          <a:p>
+            <a:pPr lvl="1"/>
+            <a:r>
+              <a:rPr lang="en-US" dirty="0"/>
+              <a:t>You can have as many PODs as you like. </a:t>
+            </a:r>
+          </a:p>
+          <a:p>
+            <a:pPr lvl="1"/>
+            <a:endParaRPr lang="en-US" dirty="0"/>
+          </a:p>
+        </p:txBody>
+      </p:sp>
+    </p:spTree>
+    <p:extLst>
+      <p:ext uri="{BB962C8B-B14F-4D97-AF65-F5344CB8AC3E}">
+        <p14:creationId xmlns:p14="http://schemas.microsoft.com/office/powerpoint/2010/main" val="787831017"/>
+      </p:ext>
+    </p:extLst>
+  </p:cSld>
+  <p:clrMapOvr>
+    <a:masterClrMapping/>
+  </p:clrMapOvr>
+</p:sld>
+</file>
+
+<file path=ppt/slides/slide8.xml><?xml version="1.0" encoding="utf-8"?>
+<p:sld xmlns:a="http://schemas.openxmlformats.org/drawingml/2006/main" xmlns:r="http://schemas.openxmlformats.org/officeDocument/2006/relationships" xmlns:p="http://schemas.openxmlformats.org/presentationml/2006/main">
+  <p:cSld>
+    <p:spTree>
+      <p:nvGrpSpPr>
+        <p:cNvPr id="1" name=""/>
+        <p:cNvGrpSpPr/>
+        <p:nvPr/>
+      </p:nvGrpSpPr>
+      <p:grpSpPr>
+        <a:xfrm>
+          <a:off x="0" y="0"/>
+          <a:ext cx="0" cy="0"/>
+          <a:chOff x="0" y="0"/>
+          <a:chExt cx="0" cy="0"/>
+        </a:xfrm>
+      </p:grpSpPr>
+      <p:sp>
+        <p:nvSpPr>
+          <p:cNvPr id="2" name="Title 1">
+            <a:extLst>
+              <a:ext uri="{FF2B5EF4-FFF2-40B4-BE49-F238E27FC236}">
+                <a16:creationId xmlns:a16="http://schemas.microsoft.com/office/drawing/2014/main" id="{06886F2E-2FE2-4AC6-B84A-F18B598242EF}"/>
+              </a:ext>
+            </a:extLst>
+          </p:cNvPr>
+          <p:cNvSpPr>
+            <a:spLocks noGrp="1"/>
+          </p:cNvSpPr>
+          <p:nvPr>
+            <p:ph type="title"/>
+          </p:nvPr>
+        </p:nvSpPr>
+        <p:spPr/>
+        <p:txBody>
+          <a:bodyPr/>
+          <a:lstStyle/>
+          <a:p>
+            <a:pPr algn="ctr"/>
+            <a:r>
+              <a:rPr lang="en-US" dirty="0"/>
+              <a:t>Disadvantages of Solid </a:t>
+            </a:r>
+          </a:p>
+        </p:txBody>
+      </p:sp>
+      <p:sp>
+        <p:nvSpPr>
+          <p:cNvPr id="3" name="Content Placeholder 2">
+            <a:extLst>
+              <a:ext uri="{FF2B5EF4-FFF2-40B4-BE49-F238E27FC236}">
+                <a16:creationId xmlns:a16="http://schemas.microsoft.com/office/drawing/2014/main" id="{7D09FB57-BBDA-46D9-AE4B-F609BAE27367}"/>
+              </a:ext>
+            </a:extLst>
+          </p:cNvPr>
+          <p:cNvSpPr>
+            <a:spLocks noGrp="1"/>
+          </p:cNvSpPr>
+          <p:nvPr>
+            <p:ph idx="1"/>
+          </p:nvPr>
+        </p:nvSpPr>
+        <p:spPr/>
+        <p:txBody>
+          <a:bodyPr>
+            <a:normAutofit/>
+          </a:bodyPr>
+          <a:lstStyle/>
+          <a:p>
+            <a:r>
+              <a:rPr lang="en-US" dirty="0"/>
+              <a:t>Most digital transactions require verified claims </a:t>
+            </a:r>
+          </a:p>
+          <a:p>
+            <a:pPr lvl="1"/>
+            <a:r>
+              <a:rPr lang="en-US" dirty="0"/>
+              <a:t>For the majority of digital transactions and interactions (buying things online, applying for services, booking a flight, proving my age), the most valuable data is data asserted about a person is from an authoritative source (ex. Drivers license, verified address, bank account).</a:t>
+            </a:r>
+            <a:br>
+              <a:rPr lang="en-US" dirty="0"/>
+            </a:br>
+            <a:endParaRPr lang="en-US" dirty="0"/>
+          </a:p>
+          <a:p>
+            <a:r>
+              <a:rPr lang="en-US" dirty="0"/>
+              <a:t>Security Issues</a:t>
+            </a:r>
+          </a:p>
+          <a:p>
+            <a:pPr lvl="1"/>
+            <a:r>
+              <a:rPr lang="en-US" dirty="0"/>
+              <a:t>Since data is </a:t>
+            </a:r>
+            <a:r>
+              <a:rPr lang="en-US" b="1" dirty="0"/>
+              <a:t>centralized</a:t>
+            </a:r>
+            <a:r>
+              <a:rPr lang="en-US" dirty="0"/>
+              <a:t> on a company server or a personal computer, one can simply gain access to a single database and get all the data he wants. </a:t>
+            </a:r>
+          </a:p>
+          <a:p>
+            <a:pPr lvl="1"/>
+            <a:endParaRPr lang="en-US" dirty="0"/>
+          </a:p>
+          <a:p>
+            <a:pPr lvl="1"/>
+            <a:endParaRPr lang="en-US" dirty="0"/>
+          </a:p>
+          <a:p>
+            <a:pPr lvl="1"/>
+            <a:endParaRPr lang="en-US" dirty="0"/>
+          </a:p>
+        </p:txBody>
+      </p:sp>
+    </p:spTree>
+    <p:extLst>
+      <p:ext uri="{BB962C8B-B14F-4D97-AF65-F5344CB8AC3E}">
+        <p14:creationId xmlns:p14="http://schemas.microsoft.com/office/powerpoint/2010/main" val="862979543"/>
+      </p:ext>
+    </p:extLst>
+  </p:cSld>
+  <p:clrMapOvr>
+    <a:masterClrMapping/>
+  </p:clrMapOvr>
+</p:sld>
+</file>
+
+<file path=ppt/slides/slide9.xml><?xml version="1.0" encoding="utf-8"?>
+<p:sld xmlns:a="http://schemas.openxmlformats.org/drawingml/2006/main" xmlns:r="http://schemas.openxmlformats.org/officeDocument/2006/relationships" xmlns:p="http://schemas.openxmlformats.org/presentationml/2006/main">
+  <p:cSld>
+    <p:spTree>
+      <p:nvGrpSpPr>
+        <p:cNvPr id="1" name=""/>
+        <p:cNvGrpSpPr/>
+        <p:nvPr/>
+      </p:nvGrpSpPr>
+      <p:grpSpPr>
+        <a:xfrm>
+          <a:off x="0" y="0"/>
+          <a:ext cx="0" cy="0"/>
+          <a:chOff x="0" y="0"/>
+          <a:chExt cx="0" cy="0"/>
+        </a:xfrm>
+      </p:grpSpPr>
+      <p:sp>
+        <p:nvSpPr>
+          <p:cNvPr id="2" name="Title 1">
+            <a:extLst>
+              <a:ext uri="{FF2B5EF4-FFF2-40B4-BE49-F238E27FC236}">
+                <a16:creationId xmlns:a16="http://schemas.microsoft.com/office/drawing/2014/main" id="{97EE0D54-8E72-44D4-AB1C-848A711D0735}"/>
+              </a:ext>
+            </a:extLst>
+          </p:cNvPr>
+          <p:cNvSpPr>
+            <a:spLocks noGrp="1"/>
+          </p:cNvSpPr>
+          <p:nvPr>
+            <p:ph type="title"/>
+          </p:nvPr>
+        </p:nvSpPr>
+        <p:spPr/>
+        <p:txBody>
+          <a:bodyPr/>
+          <a:lstStyle/>
+          <a:p>
+            <a:pPr algn="ctr"/>
+            <a:r>
+              <a:rPr lang="en-US" dirty="0"/>
+              <a:t>Disadvantages of Solid (cont.)</a:t>
+            </a:r>
+          </a:p>
+        </p:txBody>
+      </p:sp>
+      <p:sp>
+        <p:nvSpPr>
+          <p:cNvPr id="3" name="Content Placeholder 2">
+            <a:extLst>
+              <a:ext uri="{FF2B5EF4-FFF2-40B4-BE49-F238E27FC236}">
+                <a16:creationId xmlns:a16="http://schemas.microsoft.com/office/drawing/2014/main" id="{206A33E7-BFDD-44D9-ABF8-64811C403655}"/>
+              </a:ext>
+            </a:extLst>
+          </p:cNvPr>
+          <p:cNvSpPr>
+            <a:spLocks noGrp="1"/>
+          </p:cNvSpPr>
+          <p:nvPr>
+            <p:ph idx="1"/>
+          </p:nvPr>
+        </p:nvSpPr>
+        <p:spPr/>
+        <p:txBody>
+          <a:bodyPr/>
+          <a:lstStyle/>
+          <a:p>
+            <a:r>
+              <a:rPr lang="en-US" dirty="0"/>
+              <a:t>Transferring information</a:t>
+            </a:r>
+          </a:p>
+          <a:p>
+            <a:pPr lvl="1"/>
+            <a:r>
+              <a:rPr lang="en-US" dirty="0"/>
+              <a:t>Solid POD-compatible apps may share various data transfer parameters that can be used to extrapolate sensitive info users don’t necessarily want distributed, like location, timestamp, etc.</a:t>
+            </a:r>
+          </a:p>
+          <a:p>
+            <a:pPr marL="457200" lvl="1" indent="0">
+              <a:buNone/>
+            </a:pPr>
+            <a:endParaRPr lang="en-US" dirty="0"/>
+          </a:p>
+          <a:p>
+            <a:r>
+              <a:rPr lang="en-US" dirty="0"/>
+              <a:t>Solid POD doesn’t mention or support any such feature yet.</a:t>
+            </a:r>
+          </a:p>
+          <a:p>
+            <a:pPr lvl="1"/>
+            <a:r>
+              <a:rPr lang="en-US" dirty="0"/>
+              <a:t>It may be implemented later, but only in a limited form, which could be very similar to what other apps offer in form of loyalty points, etc.</a:t>
+            </a:r>
+          </a:p>
+          <a:p>
+            <a:pPr lvl="1"/>
+            <a:endParaRPr lang="en-US" dirty="0"/>
+          </a:p>
+        </p:txBody>
+      </p:sp>
+    </p:spTree>
+    <p:extLst>
+      <p:ext uri="{BB962C8B-B14F-4D97-AF65-F5344CB8AC3E}">
+        <p14:creationId xmlns:p14="http://schemas.microsoft.com/office/powerpoint/2010/main" val="3949266271"/>
+      </p:ext>
+    </p:extLst>
+  </p:cSld>
+  <p:clrMapOvr>
+    <a:masterClrMapping/>
+  </p:clrMapOvr>
+</p:sld>
+</file>
+
 <file path=ppt/theme/theme1.xml><?xml version="1.0" encoding="utf-8"?>
 <a:theme xmlns:a="http://schemas.openxmlformats.org/drawingml/2006/main" name="Ion Boardroom">
   <a:themeElements>
